--- a/ISO_IEC_Document/mpegts/Mpegts 协议简介.pptx
+++ b/ISO_IEC_Document/mpegts/Mpegts 协议简介.pptx
@@ -5,10 +5,10 @@
     <p:sldMasterId id="2147483648" r:id="rId1"/>
   </p:sldMasterIdLst>
   <p:notesMasterIdLst>
-    <p:notesMasterId r:id="rId20"/>
+    <p:notesMasterId r:id="rId22"/>
   </p:notesMasterIdLst>
   <p:handoutMasterIdLst>
-    <p:handoutMasterId r:id="rId21"/>
+    <p:handoutMasterId r:id="rId23"/>
   </p:handoutMasterIdLst>
   <p:sldIdLst>
     <p:sldId id="270" r:id="rId2"/>
@@ -26,9 +26,11 @@
     <p:sldId id="278" r:id="rId14"/>
     <p:sldId id="284" r:id="rId15"/>
     <p:sldId id="275" r:id="rId16"/>
-    <p:sldId id="277" r:id="rId17"/>
-    <p:sldId id="276" r:id="rId18"/>
-    <p:sldId id="260" r:id="rId19"/>
+    <p:sldId id="288" r:id="rId17"/>
+    <p:sldId id="277" r:id="rId18"/>
+    <p:sldId id="276" r:id="rId19"/>
+    <p:sldId id="289" r:id="rId20"/>
+    <p:sldId id="260" r:id="rId21"/>
   </p:sldIdLst>
   <p:sldSz cx="9144000" cy="5143500" type="screen16x9"/>
   <p:notesSz cx="6858000" cy="9144000"/>
@@ -247,7 +249,7 @@
             <a:fld id="{00B8E395-5B39-49C6-9E42-6E61D338186D}" type="datetimeFigureOut">
               <a:rPr lang="zh-CN" altLang="en-US" smtClean="0"/>
               <a:pPr/>
-              <a:t>2018/2/27</a:t>
+              <a:t>2018/2/28</a:t>
             </a:fld>
             <a:endParaRPr lang="zh-CN" altLang="en-US"/>
           </a:p>
@@ -414,7 +416,7 @@
             <a:fld id="{65D047C7-5719-499B-863C-38F90E72BFFD}" type="datetimeFigureOut">
               <a:rPr lang="zh-CN" altLang="en-US" smtClean="0"/>
               <a:pPr/>
-              <a:t>2018/2/27</a:t>
+              <a:t>2018/2/28</a:t>
             </a:fld>
             <a:endParaRPr lang="zh-CN" altLang="en-US"/>
           </a:p>
@@ -1722,7 +1724,6 @@
               <a:rPr lang="zh-CN" altLang="en-US" dirty="0"/>
               <a:t>简介</a:t>
             </a:r>
-            <a:endParaRPr lang="zh-CN" altLang="en-US" dirty="0"/>
           </a:p>
         </p:txBody>
       </p:sp>
@@ -2051,17 +2052,8 @@
             </a:pPr>
             <a:r>
               <a:rPr lang="en-US" altLang="zh-CN" dirty="0" smtClean="0"/>
-              <a:t>  0x75 </a:t>
-            </a:r>
-            <a:r>
-              <a:rPr lang="en-US" altLang="zh-CN" dirty="0"/>
-              <a:t>0x6E 0x64  -&gt; und</a:t>
-            </a:r>
-          </a:p>
-          <a:p>
-            <a:pPr marL="0" indent="0">
-              <a:buNone/>
-            </a:pPr>
+              <a:t>  </a:t>
+            </a:r>
             <a:endParaRPr lang="zh-CN" altLang="en-US" dirty="0"/>
           </a:p>
         </p:txBody>
@@ -2186,6 +2178,36 @@
           </a:prstGeom>
         </p:spPr>
       </p:pic>
+      <p:pic>
+        <p:nvPicPr>
+          <p:cNvPr id="8" name="图片 7"/>
+          <p:cNvPicPr>
+            <a:picLocks noChangeAspect="1"/>
+          </p:cNvPicPr>
+          <p:nvPr/>
+        </p:nvPicPr>
+        <p:blipFill>
+          <a:blip r:embed="rId6">
+            <a:extLst>
+              <a:ext uri="{28A0092B-C50C-407E-A947-70E740481C1C}">
+                <a14:useLocalDpi xmlns:a14="http://schemas.microsoft.com/office/drawing/2010/main" val="0"/>
+              </a:ext>
+            </a:extLst>
+          </a:blip>
+          <a:stretch>
+            <a:fillRect/>
+          </a:stretch>
+        </p:blipFill>
+        <p:spPr>
+          <a:xfrm>
+            <a:off x="1619672" y="2767806"/>
+            <a:ext cx="4505954" cy="2095792"/>
+          </a:xfrm>
+          <a:prstGeom prst="rect">
+            <a:avLst/>
+          </a:prstGeom>
+        </p:spPr>
+      </p:pic>
     </p:spTree>
     <p:extLst>
       <p:ext uri="{BB962C8B-B14F-4D97-AF65-F5344CB8AC3E}">
@@ -2713,6 +2735,92 @@
 </file>
 
 <file path=ppt/slides/slide16.xml><?xml version="1.0" encoding="utf-8"?>
+<p:sld xmlns:a="http://schemas.openxmlformats.org/drawingml/2006/main" xmlns:r="http://schemas.openxmlformats.org/officeDocument/2006/relationships" xmlns:p="http://schemas.openxmlformats.org/presentationml/2006/main">
+  <p:cSld>
+    <p:spTree>
+      <p:nvGrpSpPr>
+        <p:cNvPr id="1" name=""/>
+        <p:cNvGrpSpPr/>
+        <p:nvPr/>
+      </p:nvGrpSpPr>
+      <p:grpSpPr>
+        <a:xfrm>
+          <a:off x="0" y="0"/>
+          <a:ext cx="0" cy="0"/>
+          <a:chOff x="0" y="0"/>
+          <a:chExt cx="0" cy="0"/>
+        </a:xfrm>
+      </p:grpSpPr>
+      <p:sp>
+        <p:nvSpPr>
+          <p:cNvPr id="2" name="标题 1"/>
+          <p:cNvSpPr>
+            <a:spLocks noGrp="1"/>
+          </p:cNvSpPr>
+          <p:nvPr>
+            <p:ph type="title"/>
+          </p:nvPr>
+        </p:nvSpPr>
+        <p:spPr/>
+        <p:txBody>
+          <a:bodyPr/>
+          <a:lstStyle/>
+          <a:p>
+            <a:r>
+              <a:rPr lang="en-US" altLang="zh-CN" dirty="0" err="1" smtClean="0"/>
+              <a:t>DolbyVisoion</a:t>
+            </a:r>
+            <a:r>
+              <a:rPr lang="en-US" altLang="zh-CN" dirty="0" smtClean="0"/>
+              <a:t> Descriptor</a:t>
+            </a:r>
+            <a:endParaRPr lang="zh-CN" altLang="en-US" dirty="0"/>
+          </a:p>
+        </p:txBody>
+      </p:sp>
+      <p:pic>
+        <p:nvPicPr>
+          <p:cNvPr id="4" name="内容占位符 3"/>
+          <p:cNvPicPr>
+            <a:picLocks noGrp="1" noChangeAspect="1"/>
+          </p:cNvPicPr>
+          <p:nvPr>
+            <p:ph idx="1"/>
+          </p:nvPr>
+        </p:nvPicPr>
+        <p:blipFill>
+          <a:blip r:embed="rId2">
+            <a:extLst>
+              <a:ext uri="{28A0092B-C50C-407E-A947-70E740481C1C}">
+                <a14:useLocalDpi xmlns:a14="http://schemas.microsoft.com/office/drawing/2010/main" val="0"/>
+              </a:ext>
+            </a:extLst>
+          </a:blip>
+          <a:stretch>
+            <a:fillRect/>
+          </a:stretch>
+        </p:blipFill>
+        <p:spPr>
+          <a:xfrm>
+            <a:off x="2483768" y="843558"/>
+            <a:ext cx="3528392" cy="3744317"/>
+          </a:xfrm>
+        </p:spPr>
+      </p:pic>
+    </p:spTree>
+    <p:extLst>
+      <p:ext uri="{BB962C8B-B14F-4D97-AF65-F5344CB8AC3E}">
+        <p14:creationId xmlns:p14="http://schemas.microsoft.com/office/powerpoint/2010/main" val="2083426123"/>
+      </p:ext>
+    </p:extLst>
+  </p:cSld>
+  <p:clrMapOvr>
+    <a:masterClrMapping/>
+  </p:clrMapOvr>
+</p:sld>
+</file>
+
+<file path=ppt/slides/slide17.xml><?xml version="1.0" encoding="utf-8"?>
 <p:sld xmlns:a="http://schemas.openxmlformats.org/drawingml/2006/main" xmlns:r="http://schemas.openxmlformats.org/officeDocument/2006/relationships" xmlns:p="http://schemas.openxmlformats.org/presentationml/2006/main">
   <p:cSld>
     <p:spTree>
@@ -3015,7 +3123,7 @@
 </p:sld>
 </file>
 
-<file path=ppt/slides/slide17.xml><?xml version="1.0" encoding="utf-8"?>
+<file path=ppt/slides/slide18.xml><?xml version="1.0" encoding="utf-8"?>
 <p:sld xmlns:a="http://schemas.openxmlformats.org/drawingml/2006/main" xmlns:r="http://schemas.openxmlformats.org/officeDocument/2006/relationships" xmlns:p="http://schemas.openxmlformats.org/presentationml/2006/main">
   <p:cSld>
     <p:spTree>
@@ -3047,29 +3155,43 @@
           <a:bodyPr/>
           <a:lstStyle/>
           <a:p>
-            <a:endParaRPr lang="zh-CN" altLang="en-US"/>
+            <a:r>
+              <a:rPr lang="en-US" altLang="zh-CN" dirty="0" smtClean="0"/>
+              <a:t>Activity Diagram</a:t>
+            </a:r>
+            <a:endParaRPr lang="zh-CN" altLang="en-US" dirty="0"/>
           </a:p>
         </p:txBody>
       </p:sp>
-      <p:sp>
-        <p:nvSpPr>
-          <p:cNvPr id="3" name="内容占位符 2"/>
-          <p:cNvSpPr>
-            <a:spLocks noGrp="1"/>
-          </p:cNvSpPr>
+      <p:pic>
+        <p:nvPicPr>
+          <p:cNvPr id="4" name="内容占位符 3"/>
+          <p:cNvPicPr>
+            <a:picLocks noGrp="1" noChangeAspect="1"/>
+          </p:cNvPicPr>
           <p:nvPr>
             <p:ph idx="1"/>
           </p:nvPr>
-        </p:nvSpPr>
-        <p:spPr/>
-        <p:txBody>
-          <a:bodyPr/>
-          <a:lstStyle/>
-          <a:p>
-            <a:endParaRPr lang="zh-CN" altLang="en-US" dirty="0"/>
-          </a:p>
-        </p:txBody>
-      </p:sp>
+        </p:nvPicPr>
+        <p:blipFill>
+          <a:blip r:embed="rId2">
+            <a:extLst>
+              <a:ext uri="{28A0092B-C50C-407E-A947-70E740481C1C}">
+                <a14:useLocalDpi xmlns:a14="http://schemas.microsoft.com/office/drawing/2010/main" val="0"/>
+              </a:ext>
+            </a:extLst>
+          </a:blip>
+          <a:stretch>
+            <a:fillRect/>
+          </a:stretch>
+        </p:blipFill>
+        <p:spPr>
+          <a:xfrm>
+            <a:off x="2267744" y="915988"/>
+            <a:ext cx="4179482" cy="3671887"/>
+          </a:xfrm>
+        </p:spPr>
+      </p:pic>
     </p:spTree>
     <p:extLst>
       <p:ext uri="{BB962C8B-B14F-4D97-AF65-F5344CB8AC3E}">
@@ -3090,7 +3212,7 @@
 </p:sld>
 </file>
 
-<file path=ppt/slides/slide18.xml><?xml version="1.0" encoding="utf-8"?>
+<file path=ppt/slides/slide19.xml><?xml version="1.0" encoding="utf-8"?>
 <p:sld xmlns:a="http://schemas.openxmlformats.org/drawingml/2006/main" xmlns:r="http://schemas.openxmlformats.org/officeDocument/2006/relationships" xmlns:p="http://schemas.openxmlformats.org/presentationml/2006/main">
   <p:cSld>
     <p:spTree>
@@ -3107,18 +3229,54 @@
           <a:chExt cx="0" cy="0"/>
         </a:xfrm>
       </p:grpSpPr>
+      <p:sp>
+        <p:nvSpPr>
+          <p:cNvPr id="2" name="标题 1"/>
+          <p:cNvSpPr>
+            <a:spLocks noGrp="1"/>
+          </p:cNvSpPr>
+          <p:nvPr>
+            <p:ph type="title"/>
+          </p:nvPr>
+        </p:nvSpPr>
+        <p:spPr/>
+        <p:txBody>
+          <a:bodyPr/>
+          <a:lstStyle/>
+          <a:p>
+            <a:endParaRPr lang="zh-CN" altLang="en-US"/>
+          </a:p>
+        </p:txBody>
+      </p:sp>
+      <p:sp>
+        <p:nvSpPr>
+          <p:cNvPr id="3" name="内容占位符 2"/>
+          <p:cNvSpPr>
+            <a:spLocks noGrp="1"/>
+          </p:cNvSpPr>
+          <p:nvPr>
+            <p:ph idx="1"/>
+          </p:nvPr>
+        </p:nvSpPr>
+        <p:spPr/>
+        <p:txBody>
+          <a:bodyPr/>
+          <a:lstStyle/>
+          <a:p>
+            <a:endParaRPr lang="zh-CN" altLang="en-US" dirty="0"/>
+          </a:p>
+        </p:txBody>
+      </p:sp>
     </p:spTree>
+    <p:extLst>
+      <p:ext uri="{BB962C8B-B14F-4D97-AF65-F5344CB8AC3E}">
+        <p14:creationId xmlns:p14="http://schemas.microsoft.com/office/powerpoint/2010/main" val="2037773889"/>
+      </p:ext>
+    </p:extLst>
   </p:cSld>
   <p:clrMapOvr>
     <a:masterClrMapping/>
   </p:clrMapOvr>
-  <p:timing>
-    <p:tnLst>
-      <p:par>
-        <p:cTn id="1" dur="indefinite" restart="never" nodeType="tmRoot"/>
-      </p:par>
-    </p:tnLst>
-  </p:timing>
 </p:sld>
 </file>
 
@@ -3161,7 +3319,7 @@
           <a:p>
             <a:r>
               <a:rPr lang="zh-CN" altLang="en-US" dirty="0" smtClean="0"/>
-              <a:t>技术背景</a:t>
+              <a:t>相关的具体问题</a:t>
             </a:r>
             <a:endParaRPr lang="zh-CN" altLang="en-US" dirty="0"/>
           </a:p>
@@ -3196,11 +3354,7 @@
             </a:r>
             <a:r>
               <a:rPr lang="zh-CN" altLang="en-US" dirty="0" smtClean="0"/>
-              <a:t>视频时，遇到卡顿，无画面等问题</a:t>
-            </a:r>
-            <a:r>
-              <a:rPr lang="zh-CN" altLang="en-US" dirty="0" smtClean="0"/>
-              <a:t>。</a:t>
+              <a:t>视频时，遇到卡顿，无画面等问题。</a:t>
             </a:r>
             <a:endParaRPr lang="en-US" altLang="zh-CN" dirty="0" smtClean="0"/>
           </a:p>
@@ -3227,6 +3381,38 @@
         <p14:creationId xmlns:p14="http://schemas.microsoft.com/office/powerpoint/2010/main" val="884853289"/>
       </p:ext>
     </p:extLst>
+  </p:cSld>
+  <p:clrMapOvr>
+    <a:masterClrMapping/>
+  </p:clrMapOvr>
+  <p:timing>
+    <p:tnLst>
+      <p:par>
+        <p:cTn id="1" dur="indefinite" restart="never" nodeType="tmRoot"/>
+      </p:par>
+    </p:tnLst>
+  </p:timing>
+</p:sld>
+</file>
+
+<file path=ppt/slides/slide20.xml><?xml version="1.0" encoding="utf-8"?>
+<p:sld xmlns:a="http://schemas.openxmlformats.org/drawingml/2006/main" xmlns:r="http://schemas.openxmlformats.org/officeDocument/2006/relationships" xmlns:p="http://schemas.openxmlformats.org/presentationml/2006/main">
+  <p:cSld>
+    <p:spTree>
+      <p:nvGrpSpPr>
+        <p:cNvPr id="1" name=""/>
+        <p:cNvGrpSpPr/>
+        <p:nvPr/>
+      </p:nvGrpSpPr>
+      <p:grpSpPr>
+        <a:xfrm>
+          <a:off x="0" y="0"/>
+          <a:ext cx="0" cy="0"/>
+          <a:chOff x="0" y="0"/>
+          <a:chExt cx="0" cy="0"/>
+        </a:xfrm>
+      </p:grpSpPr>
+    </p:spTree>
   </p:cSld>
   <p:clrMapOvr>
     <a:masterClrMapping/>
